--- a/Results/FlightPrice_Presentation.pptx
+++ b/Results/FlightPrice_Presentation.pptx
@@ -19743,31 +19743,7 @@
                 <a:cs typeface="Calibri"/>
                 <a:sym typeface="Calibri"/>
               </a:rPr>
-              <a:t>Allo</a:t>
-            </a:r>
-            <a:r>
-              <a:rPr lang="en-US" sz="1800" dirty="0" smtClean="0">
-                <a:solidFill>
-                  <a:schemeClr val="lt1"/>
-                </a:solidFill>
-                <a:latin typeface="Calibri"/>
-                <a:ea typeface="Calibri"/>
-                <a:cs typeface="Calibri"/>
-                <a:sym typeface="Calibri"/>
-              </a:rPr>
-              <a:t>w user to choose their route for automation population of analysis</a:t>
-            </a:r>
-            <a:r>
-              <a:rPr lang="en-US" sz="1800" dirty="0" smtClean="0">
-                <a:solidFill>
-                  <a:schemeClr val="lt1"/>
-                </a:solidFill>
-                <a:latin typeface="Calibri"/>
-                <a:ea typeface="Calibri"/>
-                <a:cs typeface="Calibri"/>
-                <a:sym typeface="Calibri"/>
-              </a:rPr>
-              <a:t> (including International)</a:t>
+              <a:t>Allow user to choose their route for automation population of analysis (including International)</a:t>
             </a:r>
           </a:p>
           <a:p>
@@ -21548,7 +21524,7 @@
               <a:buAutoNum type="arabicPeriod"/>
             </a:pPr>
             <a:r>
-              <a:rPr lang="en-US" sz="2400">
+              <a:rPr lang="en-US" sz="2400" dirty="0">
                 <a:solidFill>
                   <a:schemeClr val="lt1"/>
                 </a:solidFill>
@@ -21559,7 +21535,7 @@
               </a:rPr>
               <a:t>Which day of the week is the cheapest to travel? </a:t>
             </a:r>
-            <a:endParaRPr/>
+            <a:endParaRPr dirty="0"/>
           </a:p>
           <a:p>
             <a:pPr marL="228600" marR="0" lvl="0" indent="-76200" algn="l" rtl="0">
@@ -21576,7 +21552,7 @@
               <a:buFont typeface="Calibri"/>
               <a:buNone/>
             </a:pPr>
-            <a:endParaRPr sz="2400">
+            <a:endParaRPr sz="2400" dirty="0">
               <a:solidFill>
                 <a:schemeClr val="lt1"/>
               </a:solidFill>
@@ -21602,7 +21578,7 @@
               <a:buAutoNum type="arabicPeriod"/>
             </a:pPr>
             <a:r>
-              <a:rPr lang="en-US" sz="2400">
+              <a:rPr lang="en-US" sz="2400" dirty="0">
                 <a:solidFill>
                   <a:schemeClr val="lt1"/>
                 </a:solidFill>
@@ -21611,9 +21587,21 @@
                 <a:cs typeface="Calibri"/>
                 <a:sym typeface="Calibri"/>
               </a:rPr>
-              <a:t>Of the 6 most popular routes from O’Hare, which route has the cheapest flights?</a:t>
+              <a:t>Of the 6 most popular routes from O’Hare, which route has the cheapest </a:t>
             </a:r>
-            <a:endParaRPr/>
+            <a:r>
+              <a:rPr lang="en-US" sz="2400" dirty="0" smtClean="0">
+                <a:solidFill>
+                  <a:schemeClr val="lt1"/>
+                </a:solidFill>
+                <a:latin typeface="Calibri"/>
+                <a:ea typeface="Calibri"/>
+                <a:cs typeface="Calibri"/>
+                <a:sym typeface="Calibri"/>
+              </a:rPr>
+              <a:t>flights on average?</a:t>
+            </a:r>
+            <a:endParaRPr dirty="0"/>
           </a:p>
           <a:p>
             <a:pPr marL="228600" marR="0" lvl="0" indent="-76200" algn="l" rtl="0">
@@ -21630,7 +21618,7 @@
               <a:buFont typeface="Calibri"/>
               <a:buNone/>
             </a:pPr>
-            <a:endParaRPr sz="2400">
+            <a:endParaRPr sz="2400" dirty="0">
               <a:solidFill>
                 <a:schemeClr val="lt1"/>
               </a:solidFill>
@@ -21651,7 +21639,7 @@
               <a:buNone/>
             </a:pPr>
             <a:r>
-              <a:rPr lang="en-US" sz="2400">
+              <a:rPr lang="en-US" sz="2400" dirty="0">
                 <a:solidFill>
                   <a:schemeClr val="lt1"/>
                 </a:solidFill>
@@ -21662,7 +21650,7 @@
               </a:rPr>
               <a:t>3. Of the API’s included Airlines, which has the cheapest flight options?</a:t>
             </a:r>
-            <a:endParaRPr/>
+            <a:endParaRPr dirty="0"/>
           </a:p>
           <a:p>
             <a:pPr marL="228600" marR="0" lvl="0" indent="-139700" algn="l" rtl="0">
@@ -21679,7 +21667,7 @@
               <a:buFont typeface="Calibri"/>
               <a:buNone/>
             </a:pPr>
-            <a:endParaRPr sz="1400">
+            <a:endParaRPr sz="1400" dirty="0">
               <a:solidFill>
                 <a:schemeClr val="lt1"/>
               </a:solidFill>
@@ -21704,7 +21692,7 @@
               <a:buFont typeface="Calibri"/>
               <a:buNone/>
             </a:pPr>
-            <a:endParaRPr sz="1400">
+            <a:endParaRPr sz="1400" dirty="0">
               <a:solidFill>
                 <a:schemeClr val="lt1"/>
               </a:solidFill>
@@ -21751,7 +21739,7 @@
               <a:buNone/>
             </a:pPr>
             <a:r>
-              <a:rPr lang="en-US" sz="2000" b="1">
+              <a:rPr lang="en-US" sz="2000" b="1" dirty="0">
                 <a:solidFill>
                   <a:schemeClr val="lt1"/>
                 </a:solidFill>
@@ -21762,7 +21750,7 @@
               </a:rPr>
               <a:t>What we needed from the API:</a:t>
             </a:r>
-            <a:endParaRPr/>
+            <a:endParaRPr dirty="0"/>
           </a:p>
           <a:p>
             <a:pPr marL="742950" marR="0" lvl="1" indent="-285750" algn="l" rtl="0">
@@ -21780,7 +21768,7 @@
               <a:buChar char="•"/>
             </a:pPr>
             <a:r>
-              <a:rPr lang="en-US" sz="2000" b="0" i="1" u="none" strike="noStrike" cap="none">
+              <a:rPr lang="en-US" sz="2000" b="0" i="1" u="none" strike="noStrike" cap="none" dirty="0">
                 <a:solidFill>
                   <a:schemeClr val="lt1"/>
                 </a:solidFill>
@@ -21791,7 +21779,7 @@
               </a:rPr>
               <a:t>Prices of flights</a:t>
             </a:r>
-            <a:endParaRPr/>
+            <a:endParaRPr dirty="0"/>
           </a:p>
           <a:p>
             <a:pPr marL="742950" marR="0" lvl="1" indent="-285750" algn="l" rtl="0">
@@ -21809,7 +21797,7 @@
               <a:buChar char="•"/>
             </a:pPr>
             <a:r>
-              <a:rPr lang="en-US" sz="2000" b="0" i="1" u="none" strike="noStrike" cap="none">
+              <a:rPr lang="en-US" sz="2000" b="0" i="1" u="none" strike="noStrike" cap="none" dirty="0" smtClean="0">
                 <a:solidFill>
                   <a:schemeClr val="lt1"/>
                 </a:solidFill>
@@ -21818,9 +21806,9 @@
                 <a:cs typeface="Calibri"/>
                 <a:sym typeface="Calibri"/>
               </a:rPr>
-              <a:t>Destination</a:t>
+              <a:t>Destinations</a:t>
             </a:r>
-            <a:endParaRPr/>
+            <a:endParaRPr dirty="0"/>
           </a:p>
           <a:p>
             <a:pPr marL="742950" marR="0" lvl="1" indent="-285750" algn="l" rtl="0">
@@ -21838,7 +21826,7 @@
               <a:buChar char="•"/>
             </a:pPr>
             <a:r>
-              <a:rPr lang="en-US" sz="2000" b="0" i="1" u="none" strike="noStrike" cap="none">
+              <a:rPr lang="en-US" sz="2000" b="0" i="1" u="none" strike="noStrike" cap="none" dirty="0">
                 <a:solidFill>
                   <a:schemeClr val="lt1"/>
                 </a:solidFill>
@@ -21849,7 +21837,7 @@
               </a:rPr>
               <a:t>Day of the week</a:t>
             </a:r>
-            <a:endParaRPr/>
+            <a:endParaRPr dirty="0"/>
           </a:p>
           <a:p>
             <a:pPr marL="742950" marR="0" lvl="1" indent="-285750" algn="l" rtl="0">
@@ -21867,7 +21855,7 @@
               <a:buChar char="•"/>
             </a:pPr>
             <a:r>
-              <a:rPr lang="en-US" sz="2000" b="0" i="1" u="none" strike="noStrike" cap="none">
+              <a:rPr lang="en-US" sz="2000" b="0" i="1" u="none" strike="noStrike" cap="none" dirty="0">
                 <a:solidFill>
                   <a:schemeClr val="lt1"/>
                 </a:solidFill>
@@ -21878,7 +21866,7 @@
               </a:rPr>
               <a:t>Airlines</a:t>
             </a:r>
-            <a:endParaRPr/>
+            <a:endParaRPr dirty="0"/>
           </a:p>
           <a:p>
             <a:pPr marL="742950" marR="0" lvl="1" indent="-285750" algn="l" rtl="0">
@@ -21896,7 +21884,7 @@
               <a:buChar char="•"/>
             </a:pPr>
             <a:r>
-              <a:rPr lang="en-US" sz="2000" b="0" i="1" u="none" strike="noStrike" cap="none">
+              <a:rPr lang="en-US" sz="2000" b="0" i="1" u="none" strike="noStrike" cap="none" dirty="0">
                 <a:solidFill>
                   <a:schemeClr val="lt1"/>
                 </a:solidFill>
@@ -21907,7 +21895,7 @@
               </a:rPr>
               <a:t>Additional flight costs </a:t>
             </a:r>
-            <a:endParaRPr/>
+            <a:endParaRPr dirty="0"/>
           </a:p>
           <a:p>
             <a:pPr marL="742950" marR="0" lvl="1" indent="-171450" algn="l" rtl="0">
@@ -21924,7 +21912,7 @@
               <a:buFont typeface="Arial"/>
               <a:buNone/>
             </a:pPr>
-            <a:endParaRPr sz="1800" b="0" i="1" u="none" strike="noStrike" cap="none">
+            <a:endParaRPr sz="1800" b="0" i="1" u="none" strike="noStrike" cap="none" dirty="0">
               <a:solidFill>
                 <a:schemeClr val="lt1"/>
               </a:solidFill>
@@ -24014,7 +24002,7 @@
               <a:buChar char="●"/>
             </a:pPr>
             <a:r>
-              <a:rPr lang="en-US" sz="2400">
+              <a:rPr lang="en-US" sz="2400" dirty="0">
                 <a:latin typeface="Calibri"/>
                 <a:ea typeface="Calibri"/>
                 <a:cs typeface="Calibri"/>
@@ -24023,7 +24011,7 @@
               <a:t>Prices </a:t>
             </a:r>
             <a:r>
-              <a:rPr lang="en-US" sz="2400">
+              <a:rPr lang="en-US" sz="2400" dirty="0">
                 <a:solidFill>
                   <a:schemeClr val="dk1"/>
                 </a:solidFill>
@@ -24035,7 +24023,7 @@
               <a:t>do not vary substantially across airlines</a:t>
             </a:r>
             <a:r>
-              <a:rPr lang="en-US" sz="2400">
+              <a:rPr lang="en-US" sz="2400" dirty="0">
                 <a:latin typeface="Calibri"/>
                 <a:ea typeface="Calibri"/>
                 <a:cs typeface="Calibri"/>
@@ -24043,7 +24031,7 @@
               </a:rPr>
               <a:t>. </a:t>
             </a:r>
-            <a:endParaRPr sz="2400">
+            <a:endParaRPr sz="2400" dirty="0">
               <a:latin typeface="Calibri"/>
               <a:ea typeface="Calibri"/>
               <a:cs typeface="Calibri"/>
@@ -24060,7 +24048,7 @@
               </a:spcAft>
               <a:buNone/>
             </a:pPr>
-            <a:endParaRPr sz="2400">
+            <a:endParaRPr sz="2400" dirty="0">
               <a:latin typeface="Calibri"/>
               <a:ea typeface="Calibri"/>
               <a:cs typeface="Calibri"/>
@@ -24080,7 +24068,7 @@
               <a:buChar char="●"/>
             </a:pPr>
             <a:r>
-              <a:rPr lang="en-US" sz="2400">
+              <a:rPr lang="en-US" sz="2400" dirty="0">
                 <a:latin typeface="Calibri"/>
                 <a:ea typeface="Calibri"/>
                 <a:cs typeface="Calibri"/>
@@ -24088,7 +24076,7 @@
               </a:rPr>
               <a:t>Spirit airline has the overall lowest fare without a bag.</a:t>
             </a:r>
-            <a:endParaRPr sz="2400">
+            <a:endParaRPr sz="2400" dirty="0">
               <a:latin typeface="Calibri"/>
               <a:ea typeface="Calibri"/>
               <a:cs typeface="Calibri"/>
@@ -24105,7 +24093,7 @@
               </a:spcAft>
               <a:buNone/>
             </a:pPr>
-            <a:endParaRPr sz="2400">
+            <a:endParaRPr sz="2400" dirty="0">
               <a:latin typeface="Calibri"/>
               <a:ea typeface="Calibri"/>
               <a:cs typeface="Calibri"/>
@@ -24125,15 +24113,33 @@
               <a:buChar char="●"/>
             </a:pPr>
             <a:r>
-              <a:rPr lang="en-US" sz="2400">
+              <a:rPr lang="en-US" sz="2400" dirty="0">
                 <a:latin typeface="Calibri"/>
                 <a:ea typeface="Calibri"/>
                 <a:cs typeface="Calibri"/>
                 <a:sym typeface="Calibri"/>
               </a:rPr>
-              <a:t>Alaskan airlines has the lowest average far with a bag. </a:t>
+              <a:t>Alaskan airlines has the lowest average </a:t>
             </a:r>
-            <a:endParaRPr sz="2400">
+            <a:r>
+              <a:rPr lang="en-US" sz="2400" dirty="0" smtClean="0">
+                <a:latin typeface="Calibri"/>
+                <a:ea typeface="Calibri"/>
+                <a:cs typeface="Calibri"/>
+                <a:sym typeface="Calibri"/>
+              </a:rPr>
+              <a:t>fare </a:t>
+            </a:r>
+            <a:r>
+              <a:rPr lang="en-US" sz="2400" dirty="0">
+                <a:latin typeface="Calibri"/>
+                <a:ea typeface="Calibri"/>
+                <a:cs typeface="Calibri"/>
+                <a:sym typeface="Calibri"/>
+              </a:rPr>
+              <a:t>with a bag. </a:t>
+            </a:r>
+            <a:endParaRPr sz="2400" dirty="0">
               <a:latin typeface="Calibri"/>
               <a:ea typeface="Calibri"/>
               <a:cs typeface="Calibri"/>
